--- a/Final Software Project.pptx
+++ b/Final Software Project.pptx
@@ -10217,6 +10217,47 @@
         </p:blipFill>
         <p:spPr/>
       </p:pic>
+      <p:pic>
+        <p:nvPicPr>
+          <p:cNvPr id="24" name="Camera 23">
+            <a:extLst>
+              <a:ext uri="{FF2B5EF4-FFF2-40B4-BE49-F238E27FC236}">
+                <a16:creationId xmlns:a16="http://schemas.microsoft.com/office/drawing/2014/main" id="{5DE692F8-6974-D01A-329F-D30BCF7C2773}"/>
+              </a:ext>
+            </a:extLst>
+          </p:cNvPr>
+          <p:cNvPicPr>
+            <a:picLocks noChangeAspect="1"/>
+            <a:extLst>
+              <a:ext uri="{51228E76-BA90-4043-B771-695A4F85340A}">
+                <alf:liveFeedProps xmlns:alf="http://schemas.microsoft.com/office/drawing/2021/livefeed"/>
+              </a:ext>
+            </a:extLst>
+          </p:cNvPicPr>
+          <p:nvPr/>
+        </p:nvPicPr>
+        <p:blipFill>
+          <a:blip r:embed="rId4">
+            <a:extLst>
+              <a:ext uri="{96DAC541-7B7A-43D3-8B79-37D633B846F1}">
+                <asvg:svgBlip xmlns:asvg="http://schemas.microsoft.com/office/drawing/2016/SVG/main" r:embed="rId5"/>
+              </a:ext>
+            </a:extLst>
+          </a:blip>
+          <a:stretch>
+            <a:fillRect/>
+          </a:stretch>
+        </p:blipFill>
+        <p:spPr>
+          <a:xfrm>
+            <a:off x="10052304" y="4718304"/>
+            <a:ext cx="2057400" cy="2057400"/>
+          </a:xfrm>
+          <a:prstGeom prst="ellipse">
+            <a:avLst/>
+          </a:prstGeom>
+        </p:spPr>
+      </p:pic>
     </p:spTree>
     <p:extLst>
       <p:ext uri="{BB962C8B-B14F-4D97-AF65-F5344CB8AC3E}">
@@ -10227,6 +10268,14 @@
   <p:clrMapOvr>
     <a:masterClrMapping/>
   </p:clrMapOvr>
+  <mc:AlternateContent xmlns:mc="http://schemas.openxmlformats.org/markup-compatibility/2006">
+    <mc:Choice xmlns:p14="http://schemas.microsoft.com/office/powerpoint/2010/main" Requires="p14">
+      <p:transition spd="slow" p14:dur="2000" advTm="5320"/>
+    </mc:Choice>
+    <mc:Fallback>
+      <p:transition spd="slow" advTm="5320"/>
+    </mc:Fallback>
+  </mc:AlternateContent>
 </p:sld>
 </file>
 
@@ -10339,6 +10388,47 @@
             <a:ext cx="5756151" cy="4798566"/>
           </a:xfrm>
           <a:prstGeom prst="rect">
+            <a:avLst/>
+          </a:prstGeom>
+        </p:spPr>
+      </p:pic>
+      <p:pic>
+        <p:nvPicPr>
+          <p:cNvPr id="3" name="Camera 2">
+            <a:extLst>
+              <a:ext uri="{FF2B5EF4-FFF2-40B4-BE49-F238E27FC236}">
+                <a16:creationId xmlns:a16="http://schemas.microsoft.com/office/drawing/2014/main" id="{91299C25-E416-ED39-E550-47B2C744D2EF}"/>
+              </a:ext>
+            </a:extLst>
+          </p:cNvPr>
+          <p:cNvPicPr>
+            <a:picLocks noChangeAspect="1"/>
+            <a:extLst>
+              <a:ext uri="{51228E76-BA90-4043-B771-695A4F85340A}">
+                <alf:liveFeedProps xmlns:alf="http://schemas.microsoft.com/office/drawing/2021/livefeed"/>
+              </a:ext>
+            </a:extLst>
+          </p:cNvPicPr>
+          <p:nvPr/>
+        </p:nvPicPr>
+        <p:blipFill>
+          <a:blip r:embed="rId4">
+            <a:extLst>
+              <a:ext uri="{96DAC541-7B7A-43D3-8B79-37D633B846F1}">
+                <asvg:svgBlip xmlns:asvg="http://schemas.microsoft.com/office/drawing/2016/SVG/main" r:embed="rId5"/>
+              </a:ext>
+            </a:extLst>
+          </a:blip>
+          <a:stretch>
+            <a:fillRect/>
+          </a:stretch>
+        </p:blipFill>
+        <p:spPr>
+          <a:xfrm>
+            <a:off x="10052304" y="4718304"/>
+            <a:ext cx="2057400" cy="2057400"/>
+          </a:xfrm>
+          <a:prstGeom prst="ellipse">
             <a:avLst/>
           </a:prstGeom>
         </p:spPr>
@@ -10483,6 +10573,47 @@
           </a:prstGeom>
         </p:spPr>
       </p:pic>
+      <p:pic>
+        <p:nvPicPr>
+          <p:cNvPr id="6" name="Camera 5">
+            <a:extLst>
+              <a:ext uri="{FF2B5EF4-FFF2-40B4-BE49-F238E27FC236}">
+                <a16:creationId xmlns:a16="http://schemas.microsoft.com/office/drawing/2014/main" id="{70CE66FA-3F08-DAD1-C7DB-9BE9DA3EB28D}"/>
+              </a:ext>
+            </a:extLst>
+          </p:cNvPr>
+          <p:cNvPicPr>
+            <a:picLocks noChangeAspect="1"/>
+            <a:extLst>
+              <a:ext uri="{51228E76-BA90-4043-B771-695A4F85340A}">
+                <alf:liveFeedProps xmlns:alf="http://schemas.microsoft.com/office/drawing/2021/livefeed"/>
+              </a:ext>
+            </a:extLst>
+          </p:cNvPicPr>
+          <p:nvPr/>
+        </p:nvPicPr>
+        <p:blipFill>
+          <a:blip r:embed="rId4">
+            <a:extLst>
+              <a:ext uri="{96DAC541-7B7A-43D3-8B79-37D633B846F1}">
+                <asvg:svgBlip xmlns:asvg="http://schemas.microsoft.com/office/drawing/2016/SVG/main" r:embed="rId5"/>
+              </a:ext>
+            </a:extLst>
+          </a:blip>
+          <a:stretch>
+            <a:fillRect/>
+          </a:stretch>
+        </p:blipFill>
+        <p:spPr>
+          <a:xfrm>
+            <a:off x="10052304" y="4718304"/>
+            <a:ext cx="2057400" cy="2057400"/>
+          </a:xfrm>
+          <a:prstGeom prst="ellipse">
+            <a:avLst/>
+          </a:prstGeom>
+        </p:spPr>
+      </p:pic>
     </p:spTree>
     <p:extLst>
       <p:ext uri="{BB962C8B-B14F-4D97-AF65-F5344CB8AC3E}">
@@ -10659,6 +10790,47 @@
             <a:ext cx="2505425" cy="6354062"/>
           </a:xfrm>
           <a:prstGeom prst="rect">
+            <a:avLst/>
+          </a:prstGeom>
+        </p:spPr>
+      </p:pic>
+      <p:pic>
+        <p:nvPicPr>
+          <p:cNvPr id="6" name="Camera 5">
+            <a:extLst>
+              <a:ext uri="{FF2B5EF4-FFF2-40B4-BE49-F238E27FC236}">
+                <a16:creationId xmlns:a16="http://schemas.microsoft.com/office/drawing/2014/main" id="{FA236DC7-14F7-C044-19D9-831EC9D12B2C}"/>
+              </a:ext>
+            </a:extLst>
+          </p:cNvPr>
+          <p:cNvPicPr>
+            <a:picLocks noChangeAspect="1"/>
+            <a:extLst>
+              <a:ext uri="{51228E76-BA90-4043-B771-695A4F85340A}">
+                <alf:liveFeedProps xmlns:alf="http://schemas.microsoft.com/office/drawing/2021/livefeed"/>
+              </a:ext>
+            </a:extLst>
+          </p:cNvPicPr>
+          <p:nvPr/>
+        </p:nvPicPr>
+        <p:blipFill>
+          <a:blip r:embed="rId4">
+            <a:extLst>
+              <a:ext uri="{96DAC541-7B7A-43D3-8B79-37D633B846F1}">
+                <asvg:svgBlip xmlns:asvg="http://schemas.microsoft.com/office/drawing/2016/SVG/main" r:embed="rId5"/>
+              </a:ext>
+            </a:extLst>
+          </a:blip>
+          <a:stretch>
+            <a:fillRect/>
+          </a:stretch>
+        </p:blipFill>
+        <p:spPr>
+          <a:xfrm>
+            <a:off x="10052304" y="4718304"/>
+            <a:ext cx="2057400" cy="2057400"/>
+          </a:xfrm>
+          <a:prstGeom prst="ellipse">
             <a:avLst/>
           </a:prstGeom>
         </p:spPr>
@@ -15326,6 +15498,47 @@
           </a:p>
         </p:txBody>
       </p:sp>
+      <p:pic>
+        <p:nvPicPr>
+          <p:cNvPr id="12" name="Camera 11">
+            <a:extLst>
+              <a:ext uri="{FF2B5EF4-FFF2-40B4-BE49-F238E27FC236}">
+                <a16:creationId xmlns:a16="http://schemas.microsoft.com/office/drawing/2014/main" id="{6DFCB5E3-2F0A-68ED-8460-9BBEE251A40B}"/>
+              </a:ext>
+            </a:extLst>
+          </p:cNvPr>
+          <p:cNvPicPr>
+            <a:picLocks noChangeAspect="1"/>
+            <a:extLst>
+              <a:ext uri="{51228E76-BA90-4043-B771-695A4F85340A}">
+                <alf:liveFeedProps xmlns:alf="http://schemas.microsoft.com/office/drawing/2021/livefeed"/>
+              </a:ext>
+            </a:extLst>
+          </p:cNvPicPr>
+          <p:nvPr/>
+        </p:nvPicPr>
+        <p:blipFill>
+          <a:blip r:embed="rId3">
+            <a:extLst>
+              <a:ext uri="{96DAC541-7B7A-43D3-8B79-37D633B846F1}">
+                <asvg:svgBlip xmlns:asvg="http://schemas.microsoft.com/office/drawing/2016/SVG/main" r:embed="rId4"/>
+              </a:ext>
+            </a:extLst>
+          </a:blip>
+          <a:stretch>
+            <a:fillRect/>
+          </a:stretch>
+        </p:blipFill>
+        <p:spPr>
+          <a:xfrm>
+            <a:off x="10052304" y="4718304"/>
+            <a:ext cx="2057400" cy="2057400"/>
+          </a:xfrm>
+          <a:prstGeom prst="ellipse">
+            <a:avLst/>
+          </a:prstGeom>
+        </p:spPr>
+      </p:pic>
     </p:spTree>
     <p:extLst>
       <p:ext uri="{BB962C8B-B14F-4D97-AF65-F5344CB8AC3E}">
@@ -19965,6 +20178,47 @@
           </a:p>
         </p:txBody>
       </p:sp>
+      <p:pic>
+        <p:nvPicPr>
+          <p:cNvPr id="12" name="Camera 11">
+            <a:extLst>
+              <a:ext uri="{FF2B5EF4-FFF2-40B4-BE49-F238E27FC236}">
+                <a16:creationId xmlns:a16="http://schemas.microsoft.com/office/drawing/2014/main" id="{0EAFFA46-8FDA-B48A-8993-F15A6DCDAF9C}"/>
+              </a:ext>
+            </a:extLst>
+          </p:cNvPr>
+          <p:cNvPicPr>
+            <a:picLocks noChangeAspect="1"/>
+            <a:extLst>
+              <a:ext uri="{51228E76-BA90-4043-B771-695A4F85340A}">
+                <alf:liveFeedProps xmlns:alf="http://schemas.microsoft.com/office/drawing/2021/livefeed"/>
+              </a:ext>
+            </a:extLst>
+          </p:cNvPicPr>
+          <p:nvPr/>
+        </p:nvPicPr>
+        <p:blipFill>
+          <a:blip r:embed="rId3">
+            <a:extLst>
+              <a:ext uri="{96DAC541-7B7A-43D3-8B79-37D633B846F1}">
+                <asvg:svgBlip xmlns:asvg="http://schemas.microsoft.com/office/drawing/2016/SVG/main" r:embed="rId4"/>
+              </a:ext>
+            </a:extLst>
+          </a:blip>
+          <a:stretch>
+            <a:fillRect/>
+          </a:stretch>
+        </p:blipFill>
+        <p:spPr>
+          <a:xfrm>
+            <a:off x="10052304" y="4718304"/>
+            <a:ext cx="2057400" cy="2057400"/>
+          </a:xfrm>
+          <a:prstGeom prst="ellipse">
+            <a:avLst/>
+          </a:prstGeom>
+        </p:spPr>
+      </p:pic>
     </p:spTree>
     <p:extLst>
       <p:ext uri="{BB962C8B-B14F-4D97-AF65-F5344CB8AC3E}">
@@ -24049,6 +24303,47 @@
           </a:p>
         </p:txBody>
       </p:sp>
+      <p:pic>
+        <p:nvPicPr>
+          <p:cNvPr id="12" name="Camera 11">
+            <a:extLst>
+              <a:ext uri="{FF2B5EF4-FFF2-40B4-BE49-F238E27FC236}">
+                <a16:creationId xmlns:a16="http://schemas.microsoft.com/office/drawing/2014/main" id="{B44627EA-1E49-8E04-2DBE-38F2477BBC80}"/>
+              </a:ext>
+            </a:extLst>
+          </p:cNvPr>
+          <p:cNvPicPr>
+            <a:picLocks noChangeAspect="1"/>
+            <a:extLst>
+              <a:ext uri="{51228E76-BA90-4043-B771-695A4F85340A}">
+                <alf:liveFeedProps xmlns:alf="http://schemas.microsoft.com/office/drawing/2021/livefeed"/>
+              </a:ext>
+            </a:extLst>
+          </p:cNvPicPr>
+          <p:nvPr/>
+        </p:nvPicPr>
+        <p:blipFill>
+          <a:blip r:embed="rId3">
+            <a:extLst>
+              <a:ext uri="{96DAC541-7B7A-43D3-8B79-37D633B846F1}">
+                <asvg:svgBlip xmlns:asvg="http://schemas.microsoft.com/office/drawing/2016/SVG/main" r:embed="rId4"/>
+              </a:ext>
+            </a:extLst>
+          </a:blip>
+          <a:stretch>
+            <a:fillRect/>
+          </a:stretch>
+        </p:blipFill>
+        <p:spPr>
+          <a:xfrm>
+            <a:off x="10052304" y="4718304"/>
+            <a:ext cx="2057400" cy="2057400"/>
+          </a:xfrm>
+          <a:prstGeom prst="ellipse">
+            <a:avLst/>
+          </a:prstGeom>
+        </p:spPr>
+      </p:pic>
     </p:spTree>
     <p:extLst>
       <p:ext uri="{BB962C8B-B14F-4D97-AF65-F5344CB8AC3E}">
@@ -24226,6 +24521,47 @@
           </a:p>
         </p:txBody>
       </p:sp>
+      <p:pic>
+        <p:nvPicPr>
+          <p:cNvPr id="5" name="Camera 4">
+            <a:extLst>
+              <a:ext uri="{FF2B5EF4-FFF2-40B4-BE49-F238E27FC236}">
+                <a16:creationId xmlns:a16="http://schemas.microsoft.com/office/drawing/2014/main" id="{CCC87F0E-A58F-99CC-ACD0-CC903A84CE32}"/>
+              </a:ext>
+            </a:extLst>
+          </p:cNvPr>
+          <p:cNvPicPr>
+            <a:picLocks noChangeAspect="1"/>
+            <a:extLst>
+              <a:ext uri="{51228E76-BA90-4043-B771-695A4F85340A}">
+                <alf:liveFeedProps xmlns:alf="http://schemas.microsoft.com/office/drawing/2021/livefeed"/>
+              </a:ext>
+            </a:extLst>
+          </p:cNvPicPr>
+          <p:nvPr/>
+        </p:nvPicPr>
+        <p:blipFill>
+          <a:blip r:embed="rId3">
+            <a:extLst>
+              <a:ext uri="{96DAC541-7B7A-43D3-8B79-37D633B846F1}">
+                <asvg:svgBlip xmlns:asvg="http://schemas.microsoft.com/office/drawing/2016/SVG/main" r:embed="rId4"/>
+              </a:ext>
+            </a:extLst>
+          </a:blip>
+          <a:stretch>
+            <a:fillRect/>
+          </a:stretch>
+        </p:blipFill>
+        <p:spPr>
+          <a:xfrm>
+            <a:off x="10052304" y="4718304"/>
+            <a:ext cx="2057400" cy="2057400"/>
+          </a:xfrm>
+          <a:prstGeom prst="ellipse">
+            <a:avLst/>
+          </a:prstGeom>
+        </p:spPr>
+      </p:pic>
     </p:spTree>
     <p:extLst>
       <p:ext uri="{BB962C8B-B14F-4D97-AF65-F5344CB8AC3E}">
@@ -24396,6 +24732,47 @@
           </a:p>
         </p:txBody>
       </p:sp>
+      <p:pic>
+        <p:nvPicPr>
+          <p:cNvPr id="5" name="Camera 4">
+            <a:extLst>
+              <a:ext uri="{FF2B5EF4-FFF2-40B4-BE49-F238E27FC236}">
+                <a16:creationId xmlns:a16="http://schemas.microsoft.com/office/drawing/2014/main" id="{08F4B377-D8A2-8D4F-7AC7-BA6200000935}"/>
+              </a:ext>
+            </a:extLst>
+          </p:cNvPr>
+          <p:cNvPicPr>
+            <a:picLocks noChangeAspect="1"/>
+            <a:extLst>
+              <a:ext uri="{51228E76-BA90-4043-B771-695A4F85340A}">
+                <alf:liveFeedProps xmlns:alf="http://schemas.microsoft.com/office/drawing/2021/livefeed"/>
+              </a:ext>
+            </a:extLst>
+          </p:cNvPicPr>
+          <p:nvPr/>
+        </p:nvPicPr>
+        <p:blipFill>
+          <a:blip r:embed="rId3">
+            <a:extLst>
+              <a:ext uri="{96DAC541-7B7A-43D3-8B79-37D633B846F1}">
+                <asvg:svgBlip xmlns:asvg="http://schemas.microsoft.com/office/drawing/2016/SVG/main" r:embed="rId4"/>
+              </a:ext>
+            </a:extLst>
+          </a:blip>
+          <a:stretch>
+            <a:fillRect/>
+          </a:stretch>
+        </p:blipFill>
+        <p:spPr>
+          <a:xfrm>
+            <a:off x="10052304" y="4718304"/>
+            <a:ext cx="2057400" cy="2057400"/>
+          </a:xfrm>
+          <a:prstGeom prst="ellipse">
+            <a:avLst/>
+          </a:prstGeom>
+        </p:spPr>
+      </p:pic>
     </p:spTree>
     <p:extLst>
       <p:ext uri="{BB962C8B-B14F-4D97-AF65-F5344CB8AC3E}">
@@ -24519,6 +24896,47 @@
           </a:p>
         </p:txBody>
       </p:sp>
+      <p:pic>
+        <p:nvPicPr>
+          <p:cNvPr id="4" name="Camera 3">
+            <a:extLst>
+              <a:ext uri="{FF2B5EF4-FFF2-40B4-BE49-F238E27FC236}">
+                <a16:creationId xmlns:a16="http://schemas.microsoft.com/office/drawing/2014/main" id="{0C62FC60-7D41-3E3E-7924-FA4D4CAC7D08}"/>
+              </a:ext>
+            </a:extLst>
+          </p:cNvPr>
+          <p:cNvPicPr>
+            <a:picLocks noChangeAspect="1"/>
+            <a:extLst>
+              <a:ext uri="{51228E76-BA90-4043-B771-695A4F85340A}">
+                <alf:liveFeedProps xmlns:alf="http://schemas.microsoft.com/office/drawing/2021/livefeed"/>
+              </a:ext>
+            </a:extLst>
+          </p:cNvPicPr>
+          <p:nvPr/>
+        </p:nvPicPr>
+        <p:blipFill>
+          <a:blip r:embed="rId4">
+            <a:extLst>
+              <a:ext uri="{96DAC541-7B7A-43D3-8B79-37D633B846F1}">
+                <asvg:svgBlip xmlns:asvg="http://schemas.microsoft.com/office/drawing/2016/SVG/main" r:embed="rId5"/>
+              </a:ext>
+            </a:extLst>
+          </a:blip>
+          <a:stretch>
+            <a:fillRect/>
+          </a:stretch>
+        </p:blipFill>
+        <p:spPr>
+          <a:xfrm>
+            <a:off x="10052304" y="4718304"/>
+            <a:ext cx="2057400" cy="2057400"/>
+          </a:xfrm>
+          <a:prstGeom prst="ellipse">
+            <a:avLst/>
+          </a:prstGeom>
+        </p:spPr>
+      </p:pic>
     </p:spTree>
     <p:extLst>
       <p:ext uri="{BB962C8B-B14F-4D97-AF65-F5344CB8AC3E}">
@@ -24665,6 +25083,47 @@
           <a:stretch/>
         </p:blipFill>
         <p:spPr/>
+      </p:pic>
+      <p:pic>
+        <p:nvPicPr>
+          <p:cNvPr id="11" name="Camera 10">
+            <a:extLst>
+              <a:ext uri="{FF2B5EF4-FFF2-40B4-BE49-F238E27FC236}">
+                <a16:creationId xmlns:a16="http://schemas.microsoft.com/office/drawing/2014/main" id="{C92D3E74-01E6-4F2B-C8E6-917DF43DBC26}"/>
+              </a:ext>
+            </a:extLst>
+          </p:cNvPr>
+          <p:cNvPicPr>
+            <a:picLocks noChangeAspect="1"/>
+            <a:extLst>
+              <a:ext uri="{51228E76-BA90-4043-B771-695A4F85340A}">
+                <alf:liveFeedProps xmlns:alf="http://schemas.microsoft.com/office/drawing/2021/livefeed"/>
+              </a:ext>
+            </a:extLst>
+          </p:cNvPicPr>
+          <p:nvPr/>
+        </p:nvPicPr>
+        <p:blipFill>
+          <a:blip r:embed="rId4">
+            <a:extLst>
+              <a:ext uri="{96DAC541-7B7A-43D3-8B79-37D633B846F1}">
+                <asvg:svgBlip xmlns:asvg="http://schemas.microsoft.com/office/drawing/2016/SVG/main" r:embed="rId5"/>
+              </a:ext>
+            </a:extLst>
+          </a:blip>
+          <a:stretch>
+            <a:fillRect/>
+          </a:stretch>
+        </p:blipFill>
+        <p:spPr>
+          <a:xfrm>
+            <a:off x="10052304" y="4718304"/>
+            <a:ext cx="2057400" cy="2057400"/>
+          </a:xfrm>
+          <a:prstGeom prst="ellipse">
+            <a:avLst/>
+          </a:prstGeom>
+        </p:spPr>
       </p:pic>
     </p:spTree>
     <p:extLst>
@@ -25151,6 +25610,47 @@
           </a:p>
         </p:txBody>
       </p:sp>
+      <p:pic>
+        <p:nvPicPr>
+          <p:cNvPr id="5" name="Camera 4">
+            <a:extLst>
+              <a:ext uri="{FF2B5EF4-FFF2-40B4-BE49-F238E27FC236}">
+                <a16:creationId xmlns:a16="http://schemas.microsoft.com/office/drawing/2014/main" id="{0DCCD950-40EB-B3EA-C723-409D604AED36}"/>
+              </a:ext>
+            </a:extLst>
+          </p:cNvPr>
+          <p:cNvPicPr>
+            <a:picLocks noChangeAspect="1"/>
+            <a:extLst>
+              <a:ext uri="{51228E76-BA90-4043-B771-695A4F85340A}">
+                <alf:liveFeedProps xmlns:alf="http://schemas.microsoft.com/office/drawing/2021/livefeed"/>
+              </a:ext>
+            </a:extLst>
+          </p:cNvPicPr>
+          <p:nvPr/>
+        </p:nvPicPr>
+        <p:blipFill>
+          <a:blip r:embed="rId4">
+            <a:extLst>
+              <a:ext uri="{96DAC541-7B7A-43D3-8B79-37D633B846F1}">
+                <asvg:svgBlip xmlns:asvg="http://schemas.microsoft.com/office/drawing/2016/SVG/main" r:embed="rId5"/>
+              </a:ext>
+            </a:extLst>
+          </a:blip>
+          <a:stretch>
+            <a:fillRect/>
+          </a:stretch>
+        </p:blipFill>
+        <p:spPr>
+          <a:xfrm>
+            <a:off x="10052304" y="4718304"/>
+            <a:ext cx="2057400" cy="2057400"/>
+          </a:xfrm>
+          <a:prstGeom prst="ellipse">
+            <a:avLst/>
+          </a:prstGeom>
+        </p:spPr>
+      </p:pic>
     </p:spTree>
     <p:extLst>
       <p:ext uri="{BB962C8B-B14F-4D97-AF65-F5344CB8AC3E}">
@@ -25937,6 +26437,47 @@
           </a:p>
         </p:txBody>
       </p:sp>
+      <p:pic>
+        <p:nvPicPr>
+          <p:cNvPr id="4" name="Camera 3">
+            <a:extLst>
+              <a:ext uri="{FF2B5EF4-FFF2-40B4-BE49-F238E27FC236}">
+                <a16:creationId xmlns:a16="http://schemas.microsoft.com/office/drawing/2014/main" id="{C83870C1-0639-15D7-EEA7-947A720A74B6}"/>
+              </a:ext>
+            </a:extLst>
+          </p:cNvPr>
+          <p:cNvPicPr>
+            <a:picLocks noChangeAspect="1"/>
+            <a:extLst>
+              <a:ext uri="{51228E76-BA90-4043-B771-695A4F85340A}">
+                <alf:liveFeedProps xmlns:alf="http://schemas.microsoft.com/office/drawing/2021/livefeed"/>
+              </a:ext>
+            </a:extLst>
+          </p:cNvPicPr>
+          <p:nvPr/>
+        </p:nvPicPr>
+        <p:blipFill>
+          <a:blip r:embed="rId4">
+            <a:extLst>
+              <a:ext uri="{96DAC541-7B7A-43D3-8B79-37D633B846F1}">
+                <asvg:svgBlip xmlns:asvg="http://schemas.microsoft.com/office/drawing/2016/SVG/main" r:embed="rId5"/>
+              </a:ext>
+            </a:extLst>
+          </a:blip>
+          <a:stretch>
+            <a:fillRect/>
+          </a:stretch>
+        </p:blipFill>
+        <p:spPr>
+          <a:xfrm>
+            <a:off x="10052304" y="4718304"/>
+            <a:ext cx="2057400" cy="2057400"/>
+          </a:xfrm>
+          <a:prstGeom prst="ellipse">
+            <a:avLst/>
+          </a:prstGeom>
+        </p:spPr>
+      </p:pic>
     </p:spTree>
     <p:extLst>
       <p:ext uri="{BB962C8B-B14F-4D97-AF65-F5344CB8AC3E}">
@@ -26694,6 +27235,47 @@
           </a:p>
         </p:txBody>
       </p:sp>
+      <p:pic>
+        <p:nvPicPr>
+          <p:cNvPr id="4" name="Camera 3">
+            <a:extLst>
+              <a:ext uri="{FF2B5EF4-FFF2-40B4-BE49-F238E27FC236}">
+                <a16:creationId xmlns:a16="http://schemas.microsoft.com/office/drawing/2014/main" id="{2F5EE34E-A82F-2DB8-ECCF-747A03A3AEDA}"/>
+              </a:ext>
+            </a:extLst>
+          </p:cNvPr>
+          <p:cNvPicPr>
+            <a:picLocks noChangeAspect="1"/>
+            <a:extLst>
+              <a:ext uri="{51228E76-BA90-4043-B771-695A4F85340A}">
+                <alf:liveFeedProps xmlns:alf="http://schemas.microsoft.com/office/drawing/2021/livefeed"/>
+              </a:ext>
+            </a:extLst>
+          </p:cNvPicPr>
+          <p:nvPr/>
+        </p:nvPicPr>
+        <p:blipFill>
+          <a:blip r:embed="rId4">
+            <a:extLst>
+              <a:ext uri="{96DAC541-7B7A-43D3-8B79-37D633B846F1}">
+                <asvg:svgBlip xmlns:asvg="http://schemas.microsoft.com/office/drawing/2016/SVG/main" r:embed="rId5"/>
+              </a:ext>
+            </a:extLst>
+          </a:blip>
+          <a:stretch>
+            <a:fillRect/>
+          </a:stretch>
+        </p:blipFill>
+        <p:spPr>
+          <a:xfrm>
+            <a:off x="10052304" y="4718304"/>
+            <a:ext cx="2057400" cy="2057400"/>
+          </a:xfrm>
+          <a:prstGeom prst="ellipse">
+            <a:avLst/>
+          </a:prstGeom>
+        </p:spPr>
+      </p:pic>
     </p:spTree>
     <p:extLst>
       <p:ext uri="{BB962C8B-B14F-4D97-AF65-F5344CB8AC3E}">
@@ -27506,6 +28088,47 @@
           </a:p>
         </p:txBody>
       </p:sp>
+      <p:pic>
+        <p:nvPicPr>
+          <p:cNvPr id="4" name="Camera 3">
+            <a:extLst>
+              <a:ext uri="{FF2B5EF4-FFF2-40B4-BE49-F238E27FC236}">
+                <a16:creationId xmlns:a16="http://schemas.microsoft.com/office/drawing/2014/main" id="{334765A6-88FE-BA1E-331F-0AFB2A46F817}"/>
+              </a:ext>
+            </a:extLst>
+          </p:cNvPr>
+          <p:cNvPicPr>
+            <a:picLocks noChangeAspect="1"/>
+            <a:extLst>
+              <a:ext uri="{51228E76-BA90-4043-B771-695A4F85340A}">
+                <alf:liveFeedProps xmlns:alf="http://schemas.microsoft.com/office/drawing/2021/livefeed"/>
+              </a:ext>
+            </a:extLst>
+          </p:cNvPicPr>
+          <p:nvPr/>
+        </p:nvPicPr>
+        <p:blipFill>
+          <a:blip r:embed="rId4">
+            <a:extLst>
+              <a:ext uri="{96DAC541-7B7A-43D3-8B79-37D633B846F1}">
+                <asvg:svgBlip xmlns:asvg="http://schemas.microsoft.com/office/drawing/2016/SVG/main" r:embed="rId5"/>
+              </a:ext>
+            </a:extLst>
+          </a:blip>
+          <a:stretch>
+            <a:fillRect/>
+          </a:stretch>
+        </p:blipFill>
+        <p:spPr>
+          <a:xfrm>
+            <a:off x="10052304" y="4718304"/>
+            <a:ext cx="2057400" cy="2057400"/>
+          </a:xfrm>
+          <a:prstGeom prst="ellipse">
+            <a:avLst/>
+          </a:prstGeom>
+        </p:spPr>
+      </p:pic>
     </p:spTree>
     <p:extLst>
       <p:ext uri="{BB962C8B-B14F-4D97-AF65-F5344CB8AC3E}">
@@ -27699,6 +28322,47 @@
             <a:ext cx="7439025" cy="4010025"/>
           </a:xfrm>
           <a:prstGeom prst="rect">
+            <a:avLst/>
+          </a:prstGeom>
+        </p:spPr>
+      </p:pic>
+      <p:pic>
+        <p:nvPicPr>
+          <p:cNvPr id="11" name="Camera 10">
+            <a:extLst>
+              <a:ext uri="{FF2B5EF4-FFF2-40B4-BE49-F238E27FC236}">
+                <a16:creationId xmlns:a16="http://schemas.microsoft.com/office/drawing/2014/main" id="{8DF17124-8F9B-591B-218E-B98BBA225095}"/>
+              </a:ext>
+            </a:extLst>
+          </p:cNvPr>
+          <p:cNvPicPr>
+            <a:picLocks noChangeAspect="1"/>
+            <a:extLst>
+              <a:ext uri="{51228E76-BA90-4043-B771-695A4F85340A}">
+                <alf:liveFeedProps xmlns:alf="http://schemas.microsoft.com/office/drawing/2021/livefeed"/>
+              </a:ext>
+            </a:extLst>
+          </p:cNvPicPr>
+          <p:nvPr/>
+        </p:nvPicPr>
+        <p:blipFill>
+          <a:blip r:embed="rId5">
+            <a:extLst>
+              <a:ext uri="{96DAC541-7B7A-43D3-8B79-37D633B846F1}">
+                <asvg:svgBlip xmlns:asvg="http://schemas.microsoft.com/office/drawing/2016/SVG/main" r:embed="rId6"/>
+              </a:ext>
+            </a:extLst>
+          </a:blip>
+          <a:stretch>
+            <a:fillRect/>
+          </a:stretch>
+        </p:blipFill>
+        <p:spPr>
+          <a:xfrm>
+            <a:off x="10052304" y="4718304"/>
+            <a:ext cx="2057400" cy="2057400"/>
+          </a:xfrm>
+          <a:prstGeom prst="ellipse">
             <a:avLst/>
           </a:prstGeom>
         </p:spPr>
@@ -27829,6 +28493,47 @@
           </a:prstGeom>
         </p:spPr>
       </p:pic>
+      <p:pic>
+        <p:nvPicPr>
+          <p:cNvPr id="9" name="Camera 8">
+            <a:extLst>
+              <a:ext uri="{FF2B5EF4-FFF2-40B4-BE49-F238E27FC236}">
+                <a16:creationId xmlns:a16="http://schemas.microsoft.com/office/drawing/2014/main" id="{B45FA94D-1529-87CA-6F33-08FCD054994E}"/>
+              </a:ext>
+            </a:extLst>
+          </p:cNvPr>
+          <p:cNvPicPr>
+            <a:picLocks noChangeAspect="1"/>
+            <a:extLst>
+              <a:ext uri="{51228E76-BA90-4043-B771-695A4F85340A}">
+                <alf:liveFeedProps xmlns:alf="http://schemas.microsoft.com/office/drawing/2021/livefeed"/>
+              </a:ext>
+            </a:extLst>
+          </p:cNvPicPr>
+          <p:nvPr/>
+        </p:nvPicPr>
+        <p:blipFill>
+          <a:blip r:embed="rId4">
+            <a:extLst>
+              <a:ext uri="{96DAC541-7B7A-43D3-8B79-37D633B846F1}">
+                <asvg:svgBlip xmlns:asvg="http://schemas.microsoft.com/office/drawing/2016/SVG/main" r:embed="rId5"/>
+              </a:ext>
+            </a:extLst>
+          </a:blip>
+          <a:stretch>
+            <a:fillRect/>
+          </a:stretch>
+        </p:blipFill>
+        <p:spPr>
+          <a:xfrm>
+            <a:off x="10052304" y="4718304"/>
+            <a:ext cx="2057400" cy="2057400"/>
+          </a:xfrm>
+          <a:prstGeom prst="ellipse">
+            <a:avLst/>
+          </a:prstGeom>
+        </p:spPr>
+      </p:pic>
     </p:spTree>
     <p:extLst>
       <p:ext uri="{BB962C8B-B14F-4D97-AF65-F5344CB8AC3E}">
@@ -27965,6 +28670,47 @@
             <a:ext cx="6069589" cy="4122528"/>
           </a:xfrm>
           <a:prstGeom prst="rect">
+            <a:avLst/>
+          </a:prstGeom>
+        </p:spPr>
+      </p:pic>
+      <p:pic>
+        <p:nvPicPr>
+          <p:cNvPr id="9" name="Camera 8">
+            <a:extLst>
+              <a:ext uri="{FF2B5EF4-FFF2-40B4-BE49-F238E27FC236}">
+                <a16:creationId xmlns:a16="http://schemas.microsoft.com/office/drawing/2014/main" id="{CAD53A78-04F0-D4A5-985F-480437167500}"/>
+              </a:ext>
+            </a:extLst>
+          </p:cNvPr>
+          <p:cNvPicPr>
+            <a:picLocks noChangeAspect="1"/>
+            <a:extLst>
+              <a:ext uri="{51228E76-BA90-4043-B771-695A4F85340A}">
+                <alf:liveFeedProps xmlns:alf="http://schemas.microsoft.com/office/drawing/2021/livefeed"/>
+              </a:ext>
+            </a:extLst>
+          </p:cNvPicPr>
+          <p:nvPr/>
+        </p:nvPicPr>
+        <p:blipFill>
+          <a:blip r:embed="rId4">
+            <a:extLst>
+              <a:ext uri="{96DAC541-7B7A-43D3-8B79-37D633B846F1}">
+                <asvg:svgBlip xmlns:asvg="http://schemas.microsoft.com/office/drawing/2016/SVG/main" r:embed="rId5"/>
+              </a:ext>
+            </a:extLst>
+          </a:blip>
+          <a:stretch>
+            <a:fillRect/>
+          </a:stretch>
+        </p:blipFill>
+        <p:spPr>
+          <a:xfrm>
+            <a:off x="10052304" y="4718304"/>
+            <a:ext cx="2057400" cy="2057400"/>
+          </a:xfrm>
+          <a:prstGeom prst="ellipse">
             <a:avLst/>
           </a:prstGeom>
         </p:spPr>
